--- a/Mechanic Network.pptx
+++ b/Mechanic Network.pptx
@@ -4299,6 +4299,502 @@
           </a:prstGeom>
         </p:spPr>
       </p:pic>
+      <p:sp>
+        <p:nvSpPr>
+          <p:cNvPr id="32" name="Título 1"/>
+          <p:cNvSpPr txBox="1">
+            <a:spLocks/>
+          </p:cNvSpPr>
+          <p:nvPr/>
+        </p:nvSpPr>
+        <p:spPr>
+          <a:xfrm rot="720260">
+            <a:off x="5622288" y="3121798"/>
+            <a:ext cx="1403167" cy="376493"/>
+          </a:xfrm>
+          <a:prstGeom prst="rect">
+            <a:avLst/>
+          </a:prstGeom>
+        </p:spPr>
+        <p:txBody>
+          <a:bodyPr vert="horz" lIns="91440" tIns="45720" rIns="91440" bIns="45720" rtlCol="0" anchor="b">
+            <a:normAutofit fontScale="92500" lnSpcReduction="10000"/>
+            <a:scene3d>
+              <a:camera prst="orthographicFront"/>
+              <a:lightRig rig="soft" dir="t">
+                <a:rot lat="0" lon="0" rev="15600000"/>
+              </a:lightRig>
+            </a:scene3d>
+            <a:sp3d extrusionH="57150" prstMaterial="softEdge">
+              <a:bevelT w="25400" h="38100"/>
+            </a:sp3d>
+          </a:bodyPr>
+          <a:lstStyle>
+            <a:lvl1pPr algn="ctr" defTabSz="914400" rtl="0" eaLnBrk="1" latinLnBrk="0" hangingPunct="1">
+              <a:lnSpc>
+                <a:spcPct val="90000"/>
+              </a:lnSpc>
+              <a:spcBef>
+                <a:spcPct val="0"/>
+              </a:spcBef>
+              <a:buNone/>
+              <a:defRPr sz="6000" kern="1200">
+                <a:solidFill>
+                  <a:schemeClr val="tx1"/>
+                </a:solidFill>
+                <a:latin typeface="+mj-lt"/>
+                <a:ea typeface="+mj-ea"/>
+                <a:cs typeface="+mj-cs"/>
+              </a:defRPr>
+            </a:lvl1pPr>
+          </a:lstStyle>
+          <a:p>
+            <a:r>
+              <a:rPr lang="es-CR" sz="2400" b="1" dirty="0">
+                <a:ln/>
+                <a:solidFill>
+                  <a:schemeClr val="accent4"/>
+                </a:solidFill>
+              </a:rPr>
+              <a:t>Reparar</a:t>
+            </a:r>
+          </a:p>
+        </p:txBody>
+      </p:sp>
+      <p:sp>
+        <p:nvSpPr>
+          <p:cNvPr id="33" name="Título 1"/>
+          <p:cNvSpPr txBox="1">
+            <a:spLocks/>
+          </p:cNvSpPr>
+          <p:nvPr/>
+        </p:nvSpPr>
+        <p:spPr>
+          <a:xfrm rot="720260">
+            <a:off x="1585005" y="3627671"/>
+            <a:ext cx="1403167" cy="376493"/>
+          </a:xfrm>
+          <a:prstGeom prst="rect">
+            <a:avLst/>
+          </a:prstGeom>
+        </p:spPr>
+        <p:txBody>
+          <a:bodyPr vert="horz" lIns="91440" tIns="45720" rIns="91440" bIns="45720" rtlCol="0" anchor="b">
+            <a:normAutofit fontScale="92500" lnSpcReduction="10000"/>
+            <a:scene3d>
+              <a:camera prst="orthographicFront"/>
+              <a:lightRig rig="soft" dir="t">
+                <a:rot lat="0" lon="0" rev="15600000"/>
+              </a:lightRig>
+            </a:scene3d>
+            <a:sp3d extrusionH="57150" prstMaterial="softEdge">
+              <a:bevelT w="25400" h="38100"/>
+            </a:sp3d>
+          </a:bodyPr>
+          <a:lstStyle>
+            <a:lvl1pPr algn="ctr" defTabSz="914400" rtl="0" eaLnBrk="1" latinLnBrk="0" hangingPunct="1">
+              <a:lnSpc>
+                <a:spcPct val="90000"/>
+              </a:lnSpc>
+              <a:spcBef>
+                <a:spcPct val="0"/>
+              </a:spcBef>
+              <a:buNone/>
+              <a:defRPr sz="6000" kern="1200">
+                <a:solidFill>
+                  <a:schemeClr val="tx1"/>
+                </a:solidFill>
+                <a:latin typeface="+mj-lt"/>
+                <a:ea typeface="+mj-ea"/>
+                <a:cs typeface="+mj-cs"/>
+              </a:defRPr>
+            </a:lvl1pPr>
+          </a:lstStyle>
+          <a:p>
+            <a:r>
+              <a:rPr lang="es-CR" sz="2400" b="1" dirty="0">
+                <a:ln/>
+                <a:solidFill>
+                  <a:schemeClr val="accent4"/>
+                </a:solidFill>
+              </a:rPr>
+              <a:t>Reparar</a:t>
+            </a:r>
+          </a:p>
+        </p:txBody>
+      </p:sp>
+      <p:sp>
+        <p:nvSpPr>
+          <p:cNvPr id="34" name="Título 1"/>
+          <p:cNvSpPr txBox="1">
+            <a:spLocks/>
+          </p:cNvSpPr>
+          <p:nvPr/>
+        </p:nvSpPr>
+        <p:spPr>
+          <a:xfrm rot="720260">
+            <a:off x="8376705" y="2645810"/>
+            <a:ext cx="1403167" cy="376493"/>
+          </a:xfrm>
+          <a:prstGeom prst="rect">
+            <a:avLst/>
+          </a:prstGeom>
+        </p:spPr>
+        <p:txBody>
+          <a:bodyPr vert="horz" lIns="91440" tIns="45720" rIns="91440" bIns="45720" rtlCol="0" anchor="b">
+            <a:normAutofit fontScale="92500" lnSpcReduction="10000"/>
+            <a:scene3d>
+              <a:camera prst="orthographicFront"/>
+              <a:lightRig rig="soft" dir="t">
+                <a:rot lat="0" lon="0" rev="15600000"/>
+              </a:lightRig>
+            </a:scene3d>
+            <a:sp3d extrusionH="57150" prstMaterial="softEdge">
+              <a:bevelT w="25400" h="38100"/>
+            </a:sp3d>
+          </a:bodyPr>
+          <a:lstStyle>
+            <a:lvl1pPr algn="ctr" defTabSz="914400" rtl="0" eaLnBrk="1" latinLnBrk="0" hangingPunct="1">
+              <a:lnSpc>
+                <a:spcPct val="90000"/>
+              </a:lnSpc>
+              <a:spcBef>
+                <a:spcPct val="0"/>
+              </a:spcBef>
+              <a:buNone/>
+              <a:defRPr sz="6000" kern="1200">
+                <a:solidFill>
+                  <a:schemeClr val="tx1"/>
+                </a:solidFill>
+                <a:latin typeface="+mj-lt"/>
+                <a:ea typeface="+mj-ea"/>
+                <a:cs typeface="+mj-cs"/>
+              </a:defRPr>
+            </a:lvl1pPr>
+          </a:lstStyle>
+          <a:p>
+            <a:r>
+              <a:rPr lang="es-CR" sz="2400" b="1" dirty="0">
+                <a:ln/>
+                <a:solidFill>
+                  <a:schemeClr val="accent4"/>
+                </a:solidFill>
+              </a:rPr>
+              <a:t>Reparar</a:t>
+            </a:r>
+          </a:p>
+        </p:txBody>
+      </p:sp>
+      <p:sp>
+        <p:nvSpPr>
+          <p:cNvPr id="35" name="Título 1"/>
+          <p:cNvSpPr txBox="1">
+            <a:spLocks/>
+          </p:cNvSpPr>
+          <p:nvPr/>
+        </p:nvSpPr>
+        <p:spPr>
+          <a:xfrm rot="20149144">
+            <a:off x="5216899" y="6455504"/>
+            <a:ext cx="1403167" cy="376493"/>
+          </a:xfrm>
+          <a:prstGeom prst="rect">
+            <a:avLst/>
+          </a:prstGeom>
+        </p:spPr>
+        <p:txBody>
+          <a:bodyPr vert="horz" lIns="91440" tIns="45720" rIns="91440" bIns="45720" rtlCol="0" anchor="b">
+            <a:normAutofit fontScale="92500" lnSpcReduction="10000"/>
+            <a:scene3d>
+              <a:camera prst="orthographicFront"/>
+              <a:lightRig rig="soft" dir="t">
+                <a:rot lat="0" lon="0" rev="15600000"/>
+              </a:lightRig>
+            </a:scene3d>
+            <a:sp3d extrusionH="57150" prstMaterial="softEdge">
+              <a:bevelT w="25400" h="38100"/>
+            </a:sp3d>
+          </a:bodyPr>
+          <a:lstStyle>
+            <a:lvl1pPr algn="ctr" defTabSz="914400" rtl="0" eaLnBrk="1" latinLnBrk="0" hangingPunct="1">
+              <a:lnSpc>
+                <a:spcPct val="90000"/>
+              </a:lnSpc>
+              <a:spcBef>
+                <a:spcPct val="0"/>
+              </a:spcBef>
+              <a:buNone/>
+              <a:defRPr sz="6000" kern="1200">
+                <a:solidFill>
+                  <a:schemeClr val="tx1"/>
+                </a:solidFill>
+                <a:latin typeface="+mj-lt"/>
+                <a:ea typeface="+mj-ea"/>
+                <a:cs typeface="+mj-cs"/>
+              </a:defRPr>
+            </a:lvl1pPr>
+          </a:lstStyle>
+          <a:p>
+            <a:r>
+              <a:rPr lang="es-CR" sz="2400" b="1" dirty="0">
+                <a:ln/>
+                <a:solidFill>
+                  <a:schemeClr val="accent4"/>
+                </a:solidFill>
+              </a:rPr>
+              <a:t>Reparar</a:t>
+            </a:r>
+          </a:p>
+        </p:txBody>
+      </p:sp>
+      <p:sp>
+        <p:nvSpPr>
+          <p:cNvPr id="36" name="Título 1"/>
+          <p:cNvSpPr txBox="1">
+            <a:spLocks/>
+          </p:cNvSpPr>
+          <p:nvPr/>
+        </p:nvSpPr>
+        <p:spPr>
+          <a:xfrm rot="17642849">
+            <a:off x="950684" y="5883602"/>
+            <a:ext cx="1403167" cy="376493"/>
+          </a:xfrm>
+          <a:prstGeom prst="rect">
+            <a:avLst/>
+          </a:prstGeom>
+        </p:spPr>
+        <p:txBody>
+          <a:bodyPr vert="horz" lIns="91440" tIns="45720" rIns="91440" bIns="45720" rtlCol="0" anchor="b">
+            <a:normAutofit fontScale="92500" lnSpcReduction="10000"/>
+            <a:scene3d>
+              <a:camera prst="orthographicFront"/>
+              <a:lightRig rig="soft" dir="t">
+                <a:rot lat="0" lon="0" rev="15600000"/>
+              </a:lightRig>
+            </a:scene3d>
+            <a:sp3d extrusionH="57150" prstMaterial="softEdge">
+              <a:bevelT w="25400" h="38100"/>
+            </a:sp3d>
+          </a:bodyPr>
+          <a:lstStyle>
+            <a:lvl1pPr algn="ctr" defTabSz="914400" rtl="0" eaLnBrk="1" latinLnBrk="0" hangingPunct="1">
+              <a:lnSpc>
+                <a:spcPct val="90000"/>
+              </a:lnSpc>
+              <a:spcBef>
+                <a:spcPct val="0"/>
+              </a:spcBef>
+              <a:buNone/>
+              <a:defRPr sz="6000" kern="1200">
+                <a:solidFill>
+                  <a:schemeClr val="tx1"/>
+                </a:solidFill>
+                <a:latin typeface="+mj-lt"/>
+                <a:ea typeface="+mj-ea"/>
+                <a:cs typeface="+mj-cs"/>
+              </a:defRPr>
+            </a:lvl1pPr>
+          </a:lstStyle>
+          <a:p>
+            <a:r>
+              <a:rPr lang="es-CR" sz="2400" b="1" dirty="0">
+                <a:ln/>
+                <a:solidFill>
+                  <a:schemeClr val="accent4"/>
+                </a:solidFill>
+              </a:rPr>
+              <a:t>Reparar</a:t>
+            </a:r>
+          </a:p>
+        </p:txBody>
+      </p:sp>
+      <p:sp>
+        <p:nvSpPr>
+          <p:cNvPr id="37" name="Título 1"/>
+          <p:cNvSpPr txBox="1">
+            <a:spLocks/>
+          </p:cNvSpPr>
+          <p:nvPr/>
+        </p:nvSpPr>
+        <p:spPr>
+          <a:xfrm rot="720260">
+            <a:off x="7298323" y="4880417"/>
+            <a:ext cx="1403167" cy="376493"/>
+          </a:xfrm>
+          <a:prstGeom prst="rect">
+            <a:avLst/>
+          </a:prstGeom>
+        </p:spPr>
+        <p:txBody>
+          <a:bodyPr vert="horz" lIns="91440" tIns="45720" rIns="91440" bIns="45720" rtlCol="0" anchor="b">
+            <a:normAutofit fontScale="92500" lnSpcReduction="10000"/>
+            <a:scene3d>
+              <a:camera prst="orthographicFront"/>
+              <a:lightRig rig="soft" dir="t">
+                <a:rot lat="0" lon="0" rev="15600000"/>
+              </a:lightRig>
+            </a:scene3d>
+            <a:sp3d extrusionH="57150" prstMaterial="softEdge">
+              <a:bevelT w="25400" h="38100"/>
+            </a:sp3d>
+          </a:bodyPr>
+          <a:lstStyle>
+            <a:lvl1pPr algn="ctr" defTabSz="914400" rtl="0" eaLnBrk="1" latinLnBrk="0" hangingPunct="1">
+              <a:lnSpc>
+                <a:spcPct val="90000"/>
+              </a:lnSpc>
+              <a:spcBef>
+                <a:spcPct val="0"/>
+              </a:spcBef>
+              <a:buNone/>
+              <a:defRPr sz="6000" kern="1200">
+                <a:solidFill>
+                  <a:schemeClr val="tx1"/>
+                </a:solidFill>
+                <a:latin typeface="+mj-lt"/>
+                <a:ea typeface="+mj-ea"/>
+                <a:cs typeface="+mj-cs"/>
+              </a:defRPr>
+            </a:lvl1pPr>
+          </a:lstStyle>
+          <a:p>
+            <a:r>
+              <a:rPr lang="es-CR" sz="2400" b="1" dirty="0">
+                <a:ln/>
+                <a:solidFill>
+                  <a:schemeClr val="accent4"/>
+                </a:solidFill>
+              </a:rPr>
+              <a:t>Conocer</a:t>
+            </a:r>
+          </a:p>
+        </p:txBody>
+      </p:sp>
+      <p:sp>
+        <p:nvSpPr>
+          <p:cNvPr id="38" name="Título 1"/>
+          <p:cNvSpPr txBox="1">
+            <a:spLocks/>
+          </p:cNvSpPr>
+          <p:nvPr/>
+        </p:nvSpPr>
+        <p:spPr>
+          <a:xfrm>
+            <a:off x="8168413" y="509823"/>
+            <a:ext cx="1403167" cy="376493"/>
+          </a:xfrm>
+          <a:prstGeom prst="rect">
+            <a:avLst/>
+          </a:prstGeom>
+        </p:spPr>
+        <p:txBody>
+          <a:bodyPr vert="horz" lIns="91440" tIns="45720" rIns="91440" bIns="45720" rtlCol="0" anchor="b">
+            <a:normAutofit fontScale="92500" lnSpcReduction="10000"/>
+            <a:scene3d>
+              <a:camera prst="orthographicFront"/>
+              <a:lightRig rig="soft" dir="t">
+                <a:rot lat="0" lon="0" rev="15600000"/>
+              </a:lightRig>
+            </a:scene3d>
+            <a:sp3d extrusionH="57150" prstMaterial="softEdge">
+              <a:bevelT w="25400" h="38100"/>
+            </a:sp3d>
+          </a:bodyPr>
+          <a:lstStyle>
+            <a:lvl1pPr algn="ctr" defTabSz="914400" rtl="0" eaLnBrk="1" latinLnBrk="0" hangingPunct="1">
+              <a:lnSpc>
+                <a:spcPct val="90000"/>
+              </a:lnSpc>
+              <a:spcBef>
+                <a:spcPct val="0"/>
+              </a:spcBef>
+              <a:buNone/>
+              <a:defRPr sz="6000" kern="1200">
+                <a:solidFill>
+                  <a:schemeClr val="tx1"/>
+                </a:solidFill>
+                <a:latin typeface="+mj-lt"/>
+                <a:ea typeface="+mj-ea"/>
+                <a:cs typeface="+mj-cs"/>
+              </a:defRPr>
+            </a:lvl1pPr>
+          </a:lstStyle>
+          <a:p>
+            <a:r>
+              <a:rPr lang="es-CR" sz="2400" b="1" dirty="0">
+                <a:ln/>
+                <a:solidFill>
+                  <a:schemeClr val="accent4"/>
+                </a:solidFill>
+              </a:rPr>
+              <a:t>Conocer</a:t>
+            </a:r>
+          </a:p>
+        </p:txBody>
+      </p:sp>
+      <p:sp>
+        <p:nvSpPr>
+          <p:cNvPr id="39" name="Título 1"/>
+          <p:cNvSpPr txBox="1">
+            <a:spLocks/>
+          </p:cNvSpPr>
+          <p:nvPr/>
+        </p:nvSpPr>
+        <p:spPr>
+          <a:xfrm rot="720260">
+            <a:off x="1593982" y="1785364"/>
+            <a:ext cx="1403167" cy="376493"/>
+          </a:xfrm>
+          <a:prstGeom prst="rect">
+            <a:avLst/>
+          </a:prstGeom>
+        </p:spPr>
+        <p:txBody>
+          <a:bodyPr vert="horz" lIns="91440" tIns="45720" rIns="91440" bIns="45720" rtlCol="0" anchor="b">
+            <a:normAutofit fontScale="92500" lnSpcReduction="10000"/>
+            <a:scene3d>
+              <a:camera prst="orthographicFront"/>
+              <a:lightRig rig="soft" dir="t">
+                <a:rot lat="0" lon="0" rev="15600000"/>
+              </a:lightRig>
+            </a:scene3d>
+            <a:sp3d extrusionH="57150" prstMaterial="softEdge">
+              <a:bevelT w="25400" h="38100"/>
+            </a:sp3d>
+          </a:bodyPr>
+          <a:lstStyle>
+            <a:lvl1pPr algn="ctr" defTabSz="914400" rtl="0" eaLnBrk="1" latinLnBrk="0" hangingPunct="1">
+              <a:lnSpc>
+                <a:spcPct val="90000"/>
+              </a:lnSpc>
+              <a:spcBef>
+                <a:spcPct val="0"/>
+              </a:spcBef>
+              <a:buNone/>
+              <a:defRPr sz="6000" kern="1200">
+                <a:solidFill>
+                  <a:schemeClr val="tx1"/>
+                </a:solidFill>
+                <a:latin typeface="+mj-lt"/>
+                <a:ea typeface="+mj-ea"/>
+                <a:cs typeface="+mj-cs"/>
+              </a:defRPr>
+            </a:lvl1pPr>
+          </a:lstStyle>
+          <a:p>
+            <a:r>
+              <a:rPr lang="es-CR" sz="2400" b="1" dirty="0">
+                <a:ln/>
+                <a:solidFill>
+                  <a:schemeClr val="accent4"/>
+                </a:solidFill>
+              </a:rPr>
+              <a:t>Conocer</a:t>
+            </a:r>
+          </a:p>
+        </p:txBody>
+      </p:sp>
     </p:spTree>
     <p:extLst>
       <p:ext uri="{BB962C8B-B14F-4D97-AF65-F5344CB8AC3E}">
